--- a/gender_talks.pptx
+++ b/gender_talks.pptx
@@ -3502,6 +3502,68 @@
           </a:effectLst>
         </p:spPr>
       </p:pic>
+      <p:sp>
+        <p:nvSpPr>
+          <p:cNvPr id="7" name="TextBox 6"/>
+          <p:cNvSpPr txBox="1"/>
+          <p:nvPr/>
+        </p:nvSpPr>
+        <p:spPr>
+          <a:xfrm>
+            <a:off x="-442781" y="1607822"/>
+            <a:ext cx="184666" cy="369332"/>
+          </a:xfrm>
+          <a:prstGeom prst="rect">
+            <a:avLst/>
+          </a:prstGeom>
+          <a:noFill/>
+        </p:spPr>
+        <p:txBody>
+          <a:bodyPr wrap="none" rtlCol="0">
+            <a:spAutoFit/>
+          </a:bodyPr>
+          <a:lstStyle/>
+          <a:p>
+            <a:endParaRPr lang="en-US" dirty="0"/>
+          </a:p>
+        </p:txBody>
+      </p:sp>
+      <p:sp>
+        <p:nvSpPr>
+          <p:cNvPr id="8" name="TextBox 7"/>
+          <p:cNvSpPr txBox="1"/>
+          <p:nvPr/>
+        </p:nvSpPr>
+        <p:spPr>
+          <a:xfrm>
+            <a:off x="827300" y="504047"/>
+            <a:ext cx="1834637" cy="646331"/>
+          </a:xfrm>
+          <a:prstGeom prst="rect">
+            <a:avLst/>
+          </a:prstGeom>
+          <a:noFill/>
+        </p:spPr>
+        <p:txBody>
+          <a:bodyPr wrap="none" rtlCol="0">
+            <a:spAutoFit/>
+          </a:bodyPr>
+          <a:lstStyle/>
+          <a:p>
+            <a:r>
+              <a:rPr lang="en-US" sz="3600" dirty="0" smtClean="0">
+                <a:latin typeface="Avenir Book"/>
+                <a:cs typeface="Avenir Book"/>
+              </a:rPr>
+              <a:t>n grams</a:t>
+            </a:r>
+            <a:endParaRPr lang="en-US" sz="3600" dirty="0">
+              <a:latin typeface="Avenir Book"/>
+              <a:cs typeface="Avenir Book"/>
+            </a:endParaRPr>
+          </a:p>
+        </p:txBody>
+      </p:sp>
     </p:spTree>
     <p:extLst>
       <p:ext uri="{BB962C8B-B14F-4D97-AF65-F5344CB8AC3E}">
@@ -3590,58 +3652,15 @@
           <a:bodyPr/>
           <a:lstStyle/>
           <a:p>
+            <a:pPr marL="0" indent="0" algn="ctr">
+              <a:buNone/>
+            </a:pPr>
             <a:r>
               <a:rPr lang="en-US" dirty="0" smtClean="0">
                 <a:latin typeface="Avenir Book"/>
                 <a:cs typeface="Avenir Book"/>
               </a:rPr>
-              <a:t>do MEN and WOMEN </a:t>
-            </a:r>
-            <a:r>
-              <a:rPr lang="en-US" i="1" dirty="0" smtClean="0">
-                <a:latin typeface="Avenir Book"/>
-                <a:cs typeface="Avenir Book"/>
-              </a:rPr>
-              <a:t>ask</a:t>
-            </a:r>
-            <a:r>
-              <a:rPr lang="en-US" dirty="0" smtClean="0">
-                <a:latin typeface="Avenir Book"/>
-                <a:cs typeface="Avenir Book"/>
-              </a:rPr>
-              <a:t> the same number of questions in talks?</a:t>
-            </a:r>
-          </a:p>
-          <a:p>
-            <a:r>
-              <a:rPr lang="en-US" dirty="0" smtClean="0">
-                <a:latin typeface="Avenir Book"/>
-                <a:cs typeface="Avenir Book"/>
-              </a:rPr>
-              <a:t>do MEN and WOMEN </a:t>
-            </a:r>
-            <a:r>
-              <a:rPr lang="en-US" i="1" dirty="0" smtClean="0">
-                <a:latin typeface="Avenir Book"/>
-                <a:cs typeface="Avenir Book"/>
-              </a:rPr>
-              <a:t>get asked</a:t>
-            </a:r>
-            <a:r>
-              <a:rPr lang="en-US" dirty="0" smtClean="0">
-                <a:latin typeface="Avenir Book"/>
-                <a:cs typeface="Avenir Book"/>
-              </a:rPr>
-              <a:t> the same number of questions in talks?</a:t>
-            </a:r>
-          </a:p>
-          <a:p>
-            <a:r>
-              <a:rPr lang="en-US" dirty="0" err="1" smtClean="0">
-                <a:latin typeface="Avenir Book"/>
-                <a:cs typeface="Avenir Book"/>
-              </a:rPr>
-              <a:t>etc</a:t>
+              <a:t>is the gender ratio of SPEAKERS the same as the gender ratio of QUESTION askers?</a:t>
             </a:r>
             <a:endParaRPr lang="en-US" dirty="0">
               <a:latin typeface="Avenir Book"/>
@@ -4251,44 +4270,6 @@
           <a:chExt cx="0" cy="0"/>
         </a:xfrm>
       </p:grpSpPr>
-      <p:sp>
-        <p:nvSpPr>
-          <p:cNvPr id="2" name="Title 1"/>
-          <p:cNvSpPr>
-            <a:spLocks noGrp="1"/>
-          </p:cNvSpPr>
-          <p:nvPr>
-            <p:ph type="title"/>
-          </p:nvPr>
-        </p:nvSpPr>
-        <p:spPr/>
-        <p:txBody>
-          <a:bodyPr/>
-          <a:lstStyle/>
-          <a:p>
-            <a:endParaRPr lang="en-US"/>
-          </a:p>
-        </p:txBody>
-      </p:sp>
-      <p:sp>
-        <p:nvSpPr>
-          <p:cNvPr id="3" name="Content Placeholder 2"/>
-          <p:cNvSpPr>
-            <a:spLocks noGrp="1"/>
-          </p:cNvSpPr>
-          <p:nvPr>
-            <p:ph idx="1"/>
-          </p:nvPr>
-        </p:nvSpPr>
-        <p:spPr/>
-        <p:txBody>
-          <a:bodyPr/>
-          <a:lstStyle/>
-          <a:p>
-            <a:endParaRPr lang="en-US" dirty="0"/>
-          </a:p>
-        </p:txBody>
-      </p:sp>
       <p:pic>
         <p:nvPicPr>
           <p:cNvPr id="4" name="Picture 3" descr="questions_asked_per_talk.png"/>
@@ -4311,8 +4292,8 @@
         </p:blipFill>
         <p:spPr>
           <a:xfrm>
-            <a:off x="0" y="0"/>
-            <a:ext cx="7314713" cy="5486034"/>
+            <a:off x="975783" y="-1"/>
+            <a:ext cx="8168218" cy="6126163"/>
           </a:xfrm>
           <a:prstGeom prst="rect">
             <a:avLst/>

--- a/gender_talks.pptx
+++ b/gender_talks.pptx
@@ -3783,44 +3783,6 @@
           <a:chExt cx="0" cy="0"/>
         </a:xfrm>
       </p:grpSpPr>
-      <p:sp>
-        <p:nvSpPr>
-          <p:cNvPr id="2" name="Title 1"/>
-          <p:cNvSpPr>
-            <a:spLocks noGrp="1"/>
-          </p:cNvSpPr>
-          <p:nvPr>
-            <p:ph type="title"/>
-          </p:nvPr>
-        </p:nvSpPr>
-        <p:spPr/>
-        <p:txBody>
-          <a:bodyPr/>
-          <a:lstStyle/>
-          <a:p>
-            <a:endParaRPr lang="en-US"/>
-          </a:p>
-        </p:txBody>
-      </p:sp>
-      <p:sp>
-        <p:nvSpPr>
-          <p:cNvPr id="3" name="Content Placeholder 2"/>
-          <p:cNvSpPr>
-            <a:spLocks noGrp="1"/>
-          </p:cNvSpPr>
-          <p:nvPr>
-            <p:ph idx="1"/>
-          </p:nvPr>
-        </p:nvSpPr>
-        <p:spPr/>
-        <p:txBody>
-          <a:bodyPr/>
-          <a:lstStyle/>
-          <a:p>
-            <a:endParaRPr lang="en-US"/>
-          </a:p>
-        </p:txBody>
-      </p:sp>
       <p:pic>
         <p:nvPicPr>
           <p:cNvPr id="4" name="Picture 3" descr="all_ppl.png"/>
@@ -3888,44 +3850,6 @@
           <a:chExt cx="0" cy="0"/>
         </a:xfrm>
       </p:grpSpPr>
-      <p:sp>
-        <p:nvSpPr>
-          <p:cNvPr id="2" name="Title 1"/>
-          <p:cNvSpPr>
-            <a:spLocks noGrp="1"/>
-          </p:cNvSpPr>
-          <p:nvPr>
-            <p:ph type="title"/>
-          </p:nvPr>
-        </p:nvSpPr>
-        <p:spPr/>
-        <p:txBody>
-          <a:bodyPr/>
-          <a:lstStyle/>
-          <a:p>
-            <a:endParaRPr lang="en-US"/>
-          </a:p>
-        </p:txBody>
-      </p:sp>
-      <p:sp>
-        <p:nvSpPr>
-          <p:cNvPr id="3" name="Content Placeholder 2"/>
-          <p:cNvSpPr>
-            <a:spLocks noGrp="1"/>
-          </p:cNvSpPr>
-          <p:nvPr>
-            <p:ph idx="1"/>
-          </p:nvPr>
-        </p:nvSpPr>
-        <p:spPr/>
-        <p:txBody>
-          <a:bodyPr/>
-          <a:lstStyle/>
-          <a:p>
-            <a:endParaRPr lang="en-US"/>
-          </a:p>
-        </p:txBody>
-      </p:sp>
       <p:pic>
         <p:nvPicPr>
           <p:cNvPr id="4" name="Picture 3" descr="all_speaker.png"/>
@@ -4060,44 +3984,6 @@
           <a:chExt cx="0" cy="0"/>
         </a:xfrm>
       </p:grpSpPr>
-      <p:sp>
-        <p:nvSpPr>
-          <p:cNvPr id="2" name="Title 1"/>
-          <p:cNvSpPr>
-            <a:spLocks noGrp="1"/>
-          </p:cNvSpPr>
-          <p:nvPr>
-            <p:ph type="title"/>
-          </p:nvPr>
-        </p:nvSpPr>
-        <p:spPr/>
-        <p:txBody>
-          <a:bodyPr/>
-          <a:lstStyle/>
-          <a:p>
-            <a:endParaRPr lang="en-US"/>
-          </a:p>
-        </p:txBody>
-      </p:sp>
-      <p:sp>
-        <p:nvSpPr>
-          <p:cNvPr id="3" name="Content Placeholder 2"/>
-          <p:cNvSpPr>
-            <a:spLocks noGrp="1"/>
-          </p:cNvSpPr>
-          <p:nvPr>
-            <p:ph idx="1"/>
-          </p:nvPr>
-        </p:nvSpPr>
-        <p:spPr/>
-        <p:txBody>
-          <a:bodyPr/>
-          <a:lstStyle/>
-          <a:p>
-            <a:endParaRPr lang="en-US"/>
-          </a:p>
-        </p:txBody>
-      </p:sp>
       <p:pic>
         <p:nvPicPr>
           <p:cNvPr id="4" name="Picture 3" descr="all_questions.png"/>
@@ -4165,44 +4051,6 @@
           <a:chExt cx="0" cy="0"/>
         </a:xfrm>
       </p:grpSpPr>
-      <p:sp>
-        <p:nvSpPr>
-          <p:cNvPr id="2" name="Title 1"/>
-          <p:cNvSpPr>
-            <a:spLocks noGrp="1"/>
-          </p:cNvSpPr>
-          <p:nvPr>
-            <p:ph type="title"/>
-          </p:nvPr>
-        </p:nvSpPr>
-        <p:spPr/>
-        <p:txBody>
-          <a:bodyPr/>
-          <a:lstStyle/>
-          <a:p>
-            <a:endParaRPr lang="en-US"/>
-          </a:p>
-        </p:txBody>
-      </p:sp>
-      <p:sp>
-        <p:nvSpPr>
-          <p:cNvPr id="3" name="Content Placeholder 2"/>
-          <p:cNvSpPr>
-            <a:spLocks noGrp="1"/>
-          </p:cNvSpPr>
-          <p:nvPr>
-            <p:ph idx="1"/>
-          </p:nvPr>
-        </p:nvSpPr>
-        <p:spPr/>
-        <p:txBody>
-          <a:bodyPr/>
-          <a:lstStyle/>
-          <a:p>
-            <a:endParaRPr lang="en-US"/>
-          </a:p>
-        </p:txBody>
-      </p:sp>
       <p:pic>
         <p:nvPicPr>
           <p:cNvPr id="4" name="Picture 3" descr="one_question.png"/>
